--- a/ressources/dokumente/2.Semester_BPM.pptx
+++ b/ressources/dokumente/2.Semester_BPM.pptx
@@ -272,7 +272,7 @@
 <file path=ppt/revisionInfo.xml><?xml version="1.0" encoding="utf-8"?>
 <p1510:revInfo xmlns:a="http://schemas.openxmlformats.org/drawingml/2006/main" xmlns:r="http://schemas.openxmlformats.org/officeDocument/2006/relationships" xmlns:p1510="http://schemas.microsoft.com/office/powerpoint/2015/10/main">
   <p1510:revLst>
-    <p1510:client id="{9A5CC567-0077-4668-BAA3-1511174682C2}" v="5" dt="2024-01-29T12:29:50.761"/>
+    <p1510:client id="{9A5CC567-0077-4668-BAA3-1511174682C2}" v="9" dt="2024-01-30T15:56:50.088"/>
   </p1510:revLst>
 </p1510:revInfo>
 </file>
@@ -282,12 +282,19 @@
   <pc:docChgLst>
     <pc:chgData name="Dennis Buathong" userId="77fe47fd6cd90d40" providerId="LiveId" clId="{9A5CC567-0077-4668-BAA3-1511174682C2}"/>
     <pc:docChg chg="undo custSel addSld delSld modSld sldOrd delMainMaster">
-      <pc:chgData name="Dennis Buathong" userId="77fe47fd6cd90d40" providerId="LiveId" clId="{9A5CC567-0077-4668-BAA3-1511174682C2}" dt="2024-01-29T12:30:32.153" v="319" actId="1076"/>
+      <pc:chgData name="Dennis Buathong" userId="77fe47fd6cd90d40" providerId="LiveId" clId="{9A5CC567-0077-4668-BAA3-1511174682C2}" dt="2024-01-30T15:56:50.088" v="323"/>
       <pc:docMkLst>
         <pc:docMk/>
       </pc:docMkLst>
-      <pc:sldChg chg="delSp modSp mod">
-        <pc:chgData name="Dennis Buathong" userId="77fe47fd6cd90d40" providerId="LiveId" clId="{9A5CC567-0077-4668-BAA3-1511174682C2}" dt="2024-01-29T10:11:03.741" v="19" actId="478"/>
+      <pc:sldChg chg="modTransition">
+        <pc:chgData name="Dennis Buathong" userId="77fe47fd6cd90d40" providerId="LiveId" clId="{9A5CC567-0077-4668-BAA3-1511174682C2}" dt="2024-01-30T15:56:50.088" v="323"/>
+        <pc:sldMkLst>
+          <pc:docMk/>
+          <pc:sldMk cId="0" sldId="256"/>
+        </pc:sldMkLst>
+      </pc:sldChg>
+      <pc:sldChg chg="delSp modSp mod modTransition">
+        <pc:chgData name="Dennis Buathong" userId="77fe47fd6cd90d40" providerId="LiveId" clId="{9A5CC567-0077-4668-BAA3-1511174682C2}" dt="2024-01-30T15:56:28.905" v="322"/>
         <pc:sldMkLst>
           <pc:docMk/>
           <pc:sldMk cId="0" sldId="258"/>
@@ -333,8 +340,8 @@
           </ac:cxnSpMkLst>
         </pc:cxnChg>
       </pc:sldChg>
-      <pc:sldChg chg="modSp mod">
-        <pc:chgData name="Dennis Buathong" userId="77fe47fd6cd90d40" providerId="LiveId" clId="{9A5CC567-0077-4668-BAA3-1511174682C2}" dt="2024-01-29T10:17:24.229" v="101" actId="1076"/>
+      <pc:sldChg chg="modSp mod modTransition">
+        <pc:chgData name="Dennis Buathong" userId="77fe47fd6cd90d40" providerId="LiveId" clId="{9A5CC567-0077-4668-BAA3-1511174682C2}" dt="2024-01-30T15:56:28.905" v="322"/>
         <pc:sldMkLst>
           <pc:docMk/>
           <pc:sldMk cId="0" sldId="259"/>
@@ -355,8 +362,8 @@
           <pc:sldMk cId="0" sldId="260"/>
         </pc:sldMkLst>
       </pc:sldChg>
-      <pc:sldChg chg="modSp mod">
-        <pc:chgData name="Dennis Buathong" userId="77fe47fd6cd90d40" providerId="LiveId" clId="{9A5CC567-0077-4668-BAA3-1511174682C2}" dt="2024-01-29T10:16:48.410" v="93" actId="1076"/>
+      <pc:sldChg chg="modSp mod modTransition">
+        <pc:chgData name="Dennis Buathong" userId="77fe47fd6cd90d40" providerId="LiveId" clId="{9A5CC567-0077-4668-BAA3-1511174682C2}" dt="2024-01-30T15:56:28.905" v="322"/>
         <pc:sldMkLst>
           <pc:docMk/>
           <pc:sldMk cId="0" sldId="261"/>
@@ -608,8 +615,8 @@
           <pc:sldMk cId="0" sldId="296"/>
         </pc:sldMkLst>
       </pc:sldChg>
-      <pc:sldChg chg="modSp mod">
-        <pc:chgData name="Dennis Buathong" userId="77fe47fd6cd90d40" providerId="LiveId" clId="{9A5CC567-0077-4668-BAA3-1511174682C2}" dt="2024-01-29T10:17:57.865" v="106" actId="1076"/>
+      <pc:sldChg chg="modSp mod modTransition">
+        <pc:chgData name="Dennis Buathong" userId="77fe47fd6cd90d40" providerId="LiveId" clId="{9A5CC567-0077-4668-BAA3-1511174682C2}" dt="2024-01-30T15:56:28.905" v="322"/>
         <pc:sldMkLst>
           <pc:docMk/>
           <pc:sldMk cId="1595061101" sldId="297"/>
@@ -637,8 +644,8 @@
           <pc:sldMk cId="1983736999" sldId="299"/>
         </pc:sldMkLst>
       </pc:sldChg>
-      <pc:sldChg chg="modSp mod">
-        <pc:chgData name="Dennis Buathong" userId="77fe47fd6cd90d40" providerId="LiveId" clId="{9A5CC567-0077-4668-BAA3-1511174682C2}" dt="2024-01-29T10:18:21.681" v="109" actId="1076"/>
+      <pc:sldChg chg="modSp mod modTransition">
+        <pc:chgData name="Dennis Buathong" userId="77fe47fd6cd90d40" providerId="LiveId" clId="{9A5CC567-0077-4668-BAA3-1511174682C2}" dt="2024-01-30T15:56:28.905" v="322"/>
         <pc:sldMkLst>
           <pc:docMk/>
           <pc:sldMk cId="3161947081" sldId="300"/>
@@ -652,8 +659,15 @@
           </ac:picMkLst>
         </pc:picChg>
       </pc:sldChg>
-      <pc:sldChg chg="addSp delSp modSp add mod">
-        <pc:chgData name="Dennis Buathong" userId="77fe47fd6cd90d40" providerId="LiveId" clId="{9A5CC567-0077-4668-BAA3-1511174682C2}" dt="2024-01-29T10:16:37.861" v="92" actId="1076"/>
+      <pc:sldChg chg="modTransition">
+        <pc:chgData name="Dennis Buathong" userId="77fe47fd6cd90d40" providerId="LiveId" clId="{9A5CC567-0077-4668-BAA3-1511174682C2}" dt="2024-01-30T15:56:28.905" v="322"/>
+        <pc:sldMkLst>
+          <pc:docMk/>
+          <pc:sldMk cId="2701869891" sldId="301"/>
+        </pc:sldMkLst>
+      </pc:sldChg>
+      <pc:sldChg chg="addSp delSp modSp add mod modTransition">
+        <pc:chgData name="Dennis Buathong" userId="77fe47fd6cd90d40" providerId="LiveId" clId="{9A5CC567-0077-4668-BAA3-1511174682C2}" dt="2024-01-30T15:56:28.905" v="322"/>
         <pc:sldMkLst>
           <pc:docMk/>
           <pc:sldMk cId="187012419" sldId="302"/>
@@ -698,8 +712,8 @@
           <pc:sldMk cId="3639915828" sldId="302"/>
         </pc:sldMkLst>
       </pc:sldChg>
-      <pc:sldChg chg="addSp delSp modSp add mod">
-        <pc:chgData name="Dennis Buathong" userId="77fe47fd6cd90d40" providerId="LiveId" clId="{9A5CC567-0077-4668-BAA3-1511174682C2}" dt="2024-01-29T12:30:32.153" v="319" actId="1076"/>
+      <pc:sldChg chg="addSp delSp modSp add mod modTransition">
+        <pc:chgData name="Dennis Buathong" userId="77fe47fd6cd90d40" providerId="LiveId" clId="{9A5CC567-0077-4668-BAA3-1511174682C2}" dt="2024-01-30T15:56:28.905" v="322"/>
         <pc:sldMkLst>
           <pc:docMk/>
           <pc:sldMk cId="343598899" sldId="303"/>
@@ -737,8 +751,8 @@
           </ac:picMkLst>
         </pc:picChg>
       </pc:sldChg>
-      <pc:sldChg chg="addSp delSp modSp add mod ord">
-        <pc:chgData name="Dennis Buathong" userId="77fe47fd6cd90d40" providerId="LiveId" clId="{9A5CC567-0077-4668-BAA3-1511174682C2}" dt="2024-01-29T12:27:49.908" v="309" actId="1076"/>
+      <pc:sldChg chg="addSp delSp modSp add mod ord modTransition">
+        <pc:chgData name="Dennis Buathong" userId="77fe47fd6cd90d40" providerId="LiveId" clId="{9A5CC567-0077-4668-BAA3-1511174682C2}" dt="2024-01-30T15:56:28.905" v="322"/>
         <pc:sldMkLst>
           <pc:docMk/>
           <pc:sldMk cId="3736058276" sldId="304"/>
@@ -9257,6 +9271,18 @@
   <p:clrMapOvr>
     <a:masterClrMapping/>
   </p:clrMapOvr>
+  <mc:AlternateContent xmlns:mc="http://schemas.openxmlformats.org/markup-compatibility/2006">
+    <mc:Choice xmlns:p159="http://schemas.microsoft.com/office/powerpoint/2015/09/main" Requires="p159">
+      <p:transition xmlns:p14="http://schemas.microsoft.com/office/powerpoint/2010/main" spd="slow" p14:dur="2000">
+        <p159:morph option="byObject"/>
+      </p:transition>
+    </mc:Choice>
+    <mc:Fallback>
+      <p:transition spd="slow">
+        <p:fade/>
+      </p:transition>
+    </mc:Fallback>
+  </mc:AlternateContent>
 </p:sld>
 </file>
 
@@ -9838,6 +9864,18 @@
   <p:clrMapOvr>
     <a:masterClrMapping/>
   </p:clrMapOvr>
+  <mc:AlternateContent xmlns:mc="http://schemas.openxmlformats.org/markup-compatibility/2006">
+    <mc:Choice xmlns:p159="http://schemas.microsoft.com/office/powerpoint/2015/09/main" Requires="p159">
+      <p:transition xmlns:p14="http://schemas.microsoft.com/office/powerpoint/2010/main" spd="slow" p14:dur="2000">
+        <p159:morph option="byObject"/>
+      </p:transition>
+    </mc:Choice>
+    <mc:Fallback>
+      <p:transition spd="slow">
+        <p:fade/>
+      </p:transition>
+    </mc:Fallback>
+  </mc:AlternateContent>
 </p:sld>
 </file>
 
@@ -9977,6 +10015,18 @@
   <p:clrMapOvr>
     <a:masterClrMapping/>
   </p:clrMapOvr>
+  <mc:AlternateContent xmlns:mc="http://schemas.openxmlformats.org/markup-compatibility/2006">
+    <mc:Choice xmlns:p159="http://schemas.microsoft.com/office/powerpoint/2015/09/main" Requires="p159">
+      <p:transition xmlns:p14="http://schemas.microsoft.com/office/powerpoint/2010/main" spd="slow" p14:dur="2000">
+        <p159:morph option="byObject"/>
+      </p:transition>
+    </mc:Choice>
+    <mc:Fallback>
+      <p:transition spd="slow">
+        <p:fade/>
+      </p:transition>
+    </mc:Fallback>
+  </mc:AlternateContent>
 </p:sld>
 </file>
 
@@ -10205,6 +10255,18 @@
   <p:clrMapOvr>
     <a:masterClrMapping/>
   </p:clrMapOvr>
+  <mc:AlternateContent xmlns:mc="http://schemas.openxmlformats.org/markup-compatibility/2006">
+    <mc:Choice xmlns:p159="http://schemas.microsoft.com/office/powerpoint/2015/09/main" Requires="p159">
+      <p:transition xmlns:p14="http://schemas.microsoft.com/office/powerpoint/2010/main" spd="slow" p14:dur="2000">
+        <p159:morph option="byObject"/>
+      </p:transition>
+    </mc:Choice>
+    <mc:Fallback>
+      <p:transition spd="slow">
+        <p:fade/>
+      </p:transition>
+    </mc:Fallback>
+  </mc:AlternateContent>
 </p:sld>
 </file>
 
@@ -10349,6 +10411,18 @@
   <p:clrMapOvr>
     <a:masterClrMapping/>
   </p:clrMapOvr>
+  <mc:AlternateContent xmlns:mc="http://schemas.openxmlformats.org/markup-compatibility/2006">
+    <mc:Choice xmlns:p159="http://schemas.microsoft.com/office/powerpoint/2015/09/main" Requires="p159">
+      <p:transition xmlns:p14="http://schemas.microsoft.com/office/powerpoint/2010/main" spd="slow" p14:dur="2000">
+        <p159:morph option="byObject"/>
+      </p:transition>
+    </mc:Choice>
+    <mc:Fallback>
+      <p:transition spd="slow">
+        <p:fade/>
+      </p:transition>
+    </mc:Fallback>
+  </mc:AlternateContent>
 </p:sld>
 </file>
 
@@ -10674,6 +10748,18 @@
   <p:clrMapOvr>
     <a:masterClrMapping/>
   </p:clrMapOvr>
+  <mc:AlternateContent xmlns:mc="http://schemas.openxmlformats.org/markup-compatibility/2006">
+    <mc:Choice xmlns:p159="http://schemas.microsoft.com/office/powerpoint/2015/09/main" Requires="p159">
+      <p:transition xmlns:p14="http://schemas.microsoft.com/office/powerpoint/2010/main" spd="slow" p14:dur="2000">
+        <p159:morph option="byObject"/>
+      </p:transition>
+    </mc:Choice>
+    <mc:Fallback>
+      <p:transition spd="slow">
+        <p:fade/>
+      </p:transition>
+    </mc:Fallback>
+  </mc:AlternateContent>
 </p:sld>
 </file>
 
@@ -10818,6 +10904,18 @@
   <p:clrMapOvr>
     <a:masterClrMapping/>
   </p:clrMapOvr>
+  <mc:AlternateContent xmlns:mc="http://schemas.openxmlformats.org/markup-compatibility/2006">
+    <mc:Choice xmlns:p159="http://schemas.microsoft.com/office/powerpoint/2015/09/main" Requires="p159">
+      <p:transition xmlns:p14="http://schemas.microsoft.com/office/powerpoint/2010/main" spd="slow" p14:dur="2000">
+        <p159:morph option="byObject"/>
+      </p:transition>
+    </mc:Choice>
+    <mc:Fallback>
+      <p:transition spd="slow">
+        <p:fade/>
+      </p:transition>
+    </mc:Fallback>
+  </mc:AlternateContent>
 </p:sld>
 </file>
 
@@ -10962,6 +11060,18 @@
   <p:clrMapOvr>
     <a:masterClrMapping/>
   </p:clrMapOvr>
+  <mc:AlternateContent xmlns:mc="http://schemas.openxmlformats.org/markup-compatibility/2006">
+    <mc:Choice xmlns:p159="http://schemas.microsoft.com/office/powerpoint/2015/09/main" Requires="p159">
+      <p:transition xmlns:p14="http://schemas.microsoft.com/office/powerpoint/2010/main" spd="slow" p14:dur="2000">
+        <p159:morph option="byObject"/>
+      </p:transition>
+    </mc:Choice>
+    <mc:Fallback>
+      <p:transition spd="slow">
+        <p:fade/>
+      </p:transition>
+    </mc:Fallback>
+  </mc:AlternateContent>
 </p:sld>
 </file>
 
@@ -11199,6 +11309,18 @@
   <p:clrMapOvr>
     <a:masterClrMapping/>
   </p:clrMapOvr>
+  <mc:AlternateContent xmlns:mc="http://schemas.openxmlformats.org/markup-compatibility/2006">
+    <mc:Choice xmlns:p159="http://schemas.microsoft.com/office/powerpoint/2015/09/main" Requires="p159">
+      <p:transition xmlns:p14="http://schemas.microsoft.com/office/powerpoint/2010/main" spd="slow" p14:dur="2000">
+        <p159:morph option="byObject"/>
+      </p:transition>
+    </mc:Choice>
+    <mc:Fallback>
+      <p:transition spd="slow">
+        <p:fade/>
+      </p:transition>
+    </mc:Fallback>
+  </mc:AlternateContent>
 </p:sld>
 </file>
 
